--- a/doc_supp/module_diagram.pptx
+++ b/doc_supp/module_diagram.pptx
@@ -5,7 +5,7 @@
     <p:sldMasterId id="2147483660" r:id="rId1"/>
   </p:sldMasterIdLst>
   <p:sldIdLst>
-    <p:sldId id="257" r:id="rId2"/>
+    <p:sldId id="258" r:id="rId2"/>
   </p:sldIdLst>
   <p:sldSz cx="9144000" cy="6858000" type="screen4x3"/>
   <p:notesSz cx="6858000" cy="9144000"/>
@@ -3031,10 +3031,10 @@
       </p:sp>
       <p:grpSp>
         <p:nvGrpSpPr>
-          <p:cNvPr id="2" name="Group 1">
+          <p:cNvPr id="9" name="Group 8">
             <a:extLst>
               <a:ext uri="{FF2B5EF4-FFF2-40B4-BE49-F238E27FC236}">
-                <a16:creationId xmlns:a16="http://schemas.microsoft.com/office/drawing/2014/main" id="{46A39F26-28FE-4527-B495-AC92CAC99B5E}"/>
+                <a16:creationId xmlns:a16="http://schemas.microsoft.com/office/drawing/2014/main" id="{EC92E712-157E-496D-907A-6607DF2006D1}"/>
               </a:ext>
             </a:extLst>
           </p:cNvPr>
@@ -3043,10 +3043,10 @@
         </p:nvGrpSpPr>
         <p:grpSpPr>
           <a:xfrm>
-            <a:off x="1826768" y="1343310"/>
-            <a:ext cx="5137912" cy="4205280"/>
-            <a:chOff x="1826768" y="1343310"/>
-            <a:chExt cx="5137912" cy="4205280"/>
+            <a:off x="2015744" y="1343310"/>
+            <a:ext cx="4948936" cy="3501700"/>
+            <a:chOff x="2015744" y="1343310"/>
+            <a:chExt cx="4948936" cy="3501700"/>
           </a:xfrm>
         </p:grpSpPr>
         <p:cxnSp>
@@ -3107,7 +3107,7 @@
           <p:spPr>
             <a:xfrm>
               <a:off x="3312000" y="2245360"/>
-              <a:ext cx="2520000" cy="2160000"/>
+              <a:ext cx="2520000" cy="1440000"/>
             </a:xfrm>
             <a:prstGeom prst="roundRect">
               <a:avLst/>
@@ -3194,8 +3194,8 @@
           </p:nvSpPr>
           <p:spPr>
             <a:xfrm>
-              <a:off x="1826768" y="2426208"/>
-              <a:ext cx="1402080" cy="360000"/>
+              <a:off x="2015744" y="2198624"/>
+              <a:ext cx="1224000" cy="360000"/>
             </a:xfrm>
             <a:prstGeom prst="rect">
               <a:avLst/>
@@ -3225,7 +3225,6 @@
             <a:bodyPr rtlCol="0" anchor="ctr"/>
             <a:lstStyle/>
             <a:p>
-              <a:pPr algn="ctr"/>
               <a:r>
                 <a:rPr lang="en-CA" sz="1600" dirty="0">
                   <a:solidFill>
@@ -3252,8 +3251,8 @@
           </p:nvSpPr>
           <p:spPr>
             <a:xfrm>
-              <a:off x="1826768" y="3053588"/>
-              <a:ext cx="1402080" cy="360000"/>
+              <a:off x="2015744" y="2637028"/>
+              <a:ext cx="1224000" cy="360000"/>
             </a:xfrm>
             <a:prstGeom prst="rect">
               <a:avLst/>
@@ -3283,7 +3282,6 @@
             <a:bodyPr rtlCol="0" anchor="ctr"/>
             <a:lstStyle/>
             <a:p>
-              <a:pPr algn="ctr"/>
               <a:r>
                 <a:rPr lang="en-CA" sz="1600" dirty="0">
                   <a:solidFill>
@@ -3310,8 +3308,8 @@
           </p:nvSpPr>
           <p:spPr>
             <a:xfrm>
-              <a:off x="1826768" y="3627628"/>
-              <a:ext cx="1402080" cy="360000"/>
+              <a:off x="2015744" y="3046476"/>
+              <a:ext cx="1224000" cy="360000"/>
             </a:xfrm>
             <a:prstGeom prst="rect">
               <a:avLst/>
@@ -3341,7 +3339,6 @@
             <a:bodyPr rtlCol="0" anchor="ctr"/>
             <a:lstStyle/>
             <a:p>
-              <a:pPr algn="ctr"/>
               <a:r>
                 <a:rPr lang="en-CA" sz="1600" dirty="0">
                   <a:solidFill>
@@ -3368,7 +3365,7 @@
           </p:nvCxnSpPr>
           <p:spPr>
             <a:xfrm>
-              <a:off x="2765904" y="2747264"/>
+              <a:off x="2765904" y="2519680"/>
               <a:ext cx="540000" cy="0"/>
             </a:xfrm>
             <a:prstGeom prst="straightConnector1">
@@ -3411,7 +3408,7 @@
           </p:nvCxnSpPr>
           <p:spPr>
             <a:xfrm>
-              <a:off x="2765904" y="3359064"/>
+              <a:off x="2765904" y="2942504"/>
               <a:ext cx="540000" cy="0"/>
             </a:xfrm>
             <a:prstGeom prst="straightConnector1">
@@ -3454,7 +3451,7 @@
           </p:nvCxnSpPr>
           <p:spPr>
             <a:xfrm>
-              <a:off x="2765904" y="3924976"/>
+              <a:off x="2765904" y="3343824"/>
               <a:ext cx="540000" cy="0"/>
             </a:xfrm>
             <a:prstGeom prst="straightConnector1">
@@ -3497,7 +3494,7 @@
           </p:nvCxnSpPr>
           <p:spPr>
             <a:xfrm>
-              <a:off x="5832000" y="3375320"/>
+              <a:off x="5832000" y="2942504"/>
               <a:ext cx="540000" cy="0"/>
             </a:xfrm>
             <a:prstGeom prst="straightConnector1">
@@ -3582,13 +3579,12 @@
             </p:cNvPr>
             <p:cNvCxnSpPr>
               <a:cxnSpLocks/>
-              <a:endCxn id="5" idx="2"/>
             </p:cNvCxnSpPr>
             <p:nvPr/>
           </p:nvCxnSpPr>
           <p:spPr>
             <a:xfrm flipV="1">
-              <a:off x="4572000" y="4405360"/>
+              <a:off x="4572000" y="3698396"/>
               <a:ext cx="0" cy="180000"/>
             </a:xfrm>
             <a:prstGeom prst="line">
@@ -3883,7 +3879,7 @@
           </p:nvSpPr>
           <p:spPr>
             <a:xfrm>
-              <a:off x="3600000" y="5008590"/>
+              <a:off x="3600000" y="4305010"/>
               <a:ext cx="1944000" cy="540000"/>
             </a:xfrm>
             <a:prstGeom prst="rect">
@@ -3966,7 +3962,7 @@
           </p:nvCxnSpPr>
           <p:spPr>
             <a:xfrm flipV="1">
-              <a:off x="4572000" y="4900590"/>
+              <a:off x="4572000" y="4197010"/>
               <a:ext cx="0" cy="108000"/>
             </a:xfrm>
             <a:prstGeom prst="line">
@@ -4011,7 +4007,7 @@
           </p:nvCxnSpPr>
           <p:spPr>
             <a:xfrm>
-              <a:off x="4572000" y="4589785"/>
+              <a:off x="4572000" y="3886205"/>
               <a:ext cx="175260" cy="271775"/>
             </a:xfrm>
             <a:prstGeom prst="line">
@@ -4052,7 +4048,7 @@
           </p:nvSpPr>
           <p:spPr>
             <a:xfrm>
-              <a:off x="6219444" y="3015320"/>
+              <a:off x="6219444" y="2600792"/>
               <a:ext cx="745236" cy="360000"/>
             </a:xfrm>
             <a:prstGeom prst="rect">
@@ -4106,7 +4102,7 @@
     </p:spTree>
     <p:extLst>
       <p:ext uri="{BB962C8B-B14F-4D97-AF65-F5344CB8AC3E}">
-        <p14:creationId xmlns:p14="http://schemas.microsoft.com/office/powerpoint/2010/main" val="354044825"/>
+        <p14:creationId xmlns:p14="http://schemas.microsoft.com/office/powerpoint/2010/main" val="2808570823"/>
       </p:ext>
     </p:extLst>
   </p:cSld>
